--- a/Apresentação/Apresentação - v00.01.pptx
+++ b/Apresentação/Apresentação - v00.01.pptx
@@ -245,7 +245,7 @@
             <a:fld id="{00B2452C-69D8-483C-BB39-1A254D2FB397}" type="datetimeFigureOut">
               <a:rPr lang="pt-BR" smtClean="0"/>
               <a:pPr/>
-              <a:t>02/10/2016</a:t>
+              <a:t>03/10/2016</a:t>
             </a:fld>
             <a:endParaRPr lang="pt-BR" dirty="0"/>
           </a:p>
@@ -412,7 +412,7 @@
             <a:fld id="{E2787CA8-F5E9-4B7B-A225-2BC30D4709F8}" type="datetimeFigureOut">
               <a:rPr lang="pt-BR" smtClean="0"/>
               <a:pPr/>
-              <a:t>02/10/2016</a:t>
+              <a:t>03/10/2016</a:t>
             </a:fld>
             <a:endParaRPr lang="pt-BR" dirty="0"/>
           </a:p>
@@ -679,6 +679,279 @@
     </a:lvl9pPr>
   </p:notesStyle>
 </p:notesMaster>
+</file>
+
+<file path=ppt/notesSlides/notesSlide1.xml><?xml version="1.0" encoding="utf-8"?>
+<p:notes xmlns:a="http://schemas.openxmlformats.org/drawingml/2006/main" xmlns:r="http://schemas.openxmlformats.org/officeDocument/2006/relationships" xmlns:p="http://schemas.openxmlformats.org/presentationml/2006/main">
+  <p:cSld>
+    <p:spTree>
+      <p:nvGrpSpPr>
+        <p:cNvPr id="1" name=""/>
+        <p:cNvGrpSpPr/>
+        <p:nvPr/>
+      </p:nvGrpSpPr>
+      <p:grpSpPr>
+        <a:xfrm>
+          <a:off x="0" y="0"/>
+          <a:ext cx="0" cy="0"/>
+          <a:chOff x="0" y="0"/>
+          <a:chExt cx="0" cy="0"/>
+        </a:xfrm>
+      </p:grpSpPr>
+      <p:sp>
+        <p:nvSpPr>
+          <p:cNvPr id="2" name="Espaço Reservado para Imagem de Slide 1"/>
+          <p:cNvSpPr>
+            <a:spLocks noGrp="1" noRot="1" noChangeAspect="1"/>
+          </p:cNvSpPr>
+          <p:nvPr>
+            <p:ph type="sldImg"/>
+          </p:nvPr>
+        </p:nvSpPr>
+        <p:spPr/>
+      </p:sp>
+      <p:sp>
+        <p:nvSpPr>
+          <p:cNvPr id="3" name="Espaço Reservado para Anotações 2"/>
+          <p:cNvSpPr>
+            <a:spLocks noGrp="1"/>
+          </p:cNvSpPr>
+          <p:nvPr>
+            <p:ph type="body" idx="1"/>
+          </p:nvPr>
+        </p:nvSpPr>
+        <p:spPr/>
+        <p:txBody>
+          <a:bodyPr/>
+          <a:lstStyle/>
+          <a:p>
+            <a:r>
+              <a:rPr lang="pt-BR" dirty="0" smtClean="0"/>
+              <a:t>-&gt; </a:t>
+            </a:r>
+            <a:r>
+              <a:rPr lang="pt-BR" b="1" dirty="0" smtClean="0"/>
+              <a:t>Wall Street</a:t>
+            </a:r>
+          </a:p>
+          <a:p>
+            <a:r>
+              <a:rPr lang="pt-BR" sz="1200" i="0" kern="1200" dirty="0" smtClean="0">
+                <a:solidFill>
+                  <a:schemeClr val="tx1"/>
+                </a:solidFill>
+                <a:effectLst/>
+                <a:latin typeface="+mn-lt"/>
+                <a:ea typeface="+mn-ea"/>
+                <a:cs typeface="+mn-cs"/>
+              </a:rPr>
+              <a:t>Wall Street tem esse nome por causa de um muro (</a:t>
+            </a:r>
+            <a:r>
+              <a:rPr lang="pt-BR" sz="1200" i="0" kern="1200" dirty="0" err="1" smtClean="0">
+                <a:solidFill>
+                  <a:schemeClr val="tx1"/>
+                </a:solidFill>
+                <a:effectLst/>
+                <a:latin typeface="+mn-lt"/>
+                <a:ea typeface="+mn-ea"/>
+                <a:cs typeface="+mn-cs"/>
+              </a:rPr>
+              <a:t>wall</a:t>
+            </a:r>
+            <a:r>
+              <a:rPr lang="pt-BR" sz="1200" i="0" kern="1200" dirty="0" smtClean="0">
+                <a:solidFill>
+                  <a:schemeClr val="tx1"/>
+                </a:solidFill>
+                <a:effectLst/>
+                <a:latin typeface="+mn-lt"/>
+                <a:ea typeface="+mn-ea"/>
+                <a:cs typeface="+mn-cs"/>
+              </a:rPr>
+              <a:t>) que impedia os animais domésticos de se afastarem demais do assentamento existente na ponta de Manhattan.</a:t>
+            </a:r>
+          </a:p>
+          <a:p>
+            <a:r>
+              <a:rPr lang="pt-BR" sz="1200" i="0" kern="1200" baseline="0" dirty="0" smtClean="0">
+                <a:solidFill>
+                  <a:schemeClr val="tx1"/>
+                </a:solidFill>
+                <a:effectLst/>
+                <a:latin typeface="+mn-lt"/>
+                <a:ea typeface="+mn-ea"/>
+                <a:cs typeface="+mn-cs"/>
+              </a:rPr>
+              <a:t>  </a:t>
+            </a:r>
+            <a:r>
+              <a:rPr lang="pt-BR" dirty="0" smtClean="0"/>
+              <a:t>-&gt; </a:t>
+            </a:r>
+            <a:r>
+              <a:rPr lang="pt-BR" b="1" dirty="0" smtClean="0"/>
+              <a:t>Lobos</a:t>
+            </a:r>
+          </a:p>
+          <a:p>
+            <a:r>
+              <a:rPr lang="pt-BR" b="1" baseline="0" dirty="0" smtClean="0"/>
+              <a:t>  </a:t>
+            </a:r>
+            <a:r>
+              <a:rPr lang="pt-BR" baseline="0" dirty="0" smtClean="0"/>
+              <a:t>São os vendedores. São os operadores que apostam na baixa dos preços para lucrar.</a:t>
+            </a:r>
+          </a:p>
+          <a:p>
+            <a:r>
+              <a:rPr lang="pt-BR" baseline="0" dirty="0" smtClean="0"/>
+              <a:t>  </a:t>
+            </a:r>
+            <a:r>
+              <a:rPr lang="pt-BR" dirty="0" smtClean="0"/>
+              <a:t>-&gt;</a:t>
+            </a:r>
+            <a:r>
+              <a:rPr lang="pt-BR" baseline="0" dirty="0" smtClean="0"/>
+              <a:t> </a:t>
+            </a:r>
+            <a:r>
+              <a:rPr lang="pt-BR" b="1" baseline="0" dirty="0" smtClean="0"/>
+              <a:t>Ursos</a:t>
+            </a:r>
+          </a:p>
+          <a:p>
+            <a:r>
+              <a:rPr lang="pt-BR" b="1" baseline="0" dirty="0" smtClean="0"/>
+              <a:t>  </a:t>
+            </a:r>
+            <a:r>
+              <a:rPr lang="pt-BR" baseline="0" dirty="0" smtClean="0"/>
+              <a:t>São os compradores. </a:t>
+            </a:r>
+            <a:r>
+              <a:rPr lang="pt-BR" baseline="0" dirty="0" smtClean="0"/>
+              <a:t>São os operadores que apostam na alta dos preços para lucrar.</a:t>
+            </a:r>
+          </a:p>
+          <a:p>
+            <a:r>
+              <a:rPr lang="pt-BR" baseline="0" dirty="0" smtClean="0"/>
+              <a:t>  -&gt; </a:t>
+            </a:r>
+            <a:r>
+              <a:rPr lang="pt-BR" b="1" baseline="0" dirty="0" smtClean="0"/>
+              <a:t>Porcos</a:t>
+            </a:r>
+          </a:p>
+          <a:p>
+            <a:r>
+              <a:rPr lang="pt-BR" b="1" baseline="0" dirty="0" smtClean="0"/>
+              <a:t>  </a:t>
+            </a:r>
+            <a:r>
+              <a:rPr lang="pt-BR" dirty="0" smtClean="0"/>
+              <a:t>São os operadores gulosos. Sempre</a:t>
+            </a:r>
+            <a:r>
+              <a:rPr lang="pt-BR" baseline="0" dirty="0" smtClean="0"/>
+              <a:t> acabam abatidos para satisfazer a próprio intemperança.</a:t>
+            </a:r>
+          </a:p>
+          <a:p>
+            <a:r>
+              <a:rPr lang="pt-BR" baseline="0" dirty="0" smtClean="0"/>
+              <a:t>  -&gt; </a:t>
+            </a:r>
+            <a:r>
+              <a:rPr lang="pt-BR" b="1" baseline="0" dirty="0" smtClean="0"/>
+              <a:t>Carneiros</a:t>
+            </a:r>
+          </a:p>
+          <a:p>
+            <a:r>
+              <a:rPr lang="pt-BR" b="1" baseline="0" dirty="0" smtClean="0"/>
+              <a:t>  </a:t>
+            </a:r>
+            <a:r>
+              <a:rPr lang="pt-BR" b="0" baseline="0" dirty="0" smtClean="0"/>
+              <a:t>São os operadores que mantém suas posições por muito tempo. São seguidores passivos e medrosos de tendências, de dicas e de gurus.</a:t>
+            </a:r>
+          </a:p>
+          <a:p>
+            <a:r>
+              <a:rPr lang="pt-BR" b="0" baseline="0" dirty="0" smtClean="0"/>
+              <a:t>-------</a:t>
+            </a:r>
+          </a:p>
+          <a:p>
+            <a:r>
+              <a:rPr lang="pt-BR" b="0" baseline="0" dirty="0" smtClean="0"/>
+              <a:t>-&gt; Análise Técnica</a:t>
+            </a:r>
+          </a:p>
+          <a:p>
+            <a:r>
+              <a:rPr lang="pt-BR" b="0" dirty="0" smtClean="0"/>
+              <a:t>A análise técnica é psicologia social aplicada. Seu objetivo é identificar tendências e mudanças no comportamento das multidões, a fim de tomar decisões inteligentes sobre as operações no mercado.</a:t>
+            </a:r>
+          </a:p>
+          <a:p>
+            <a:r>
+              <a:rPr lang="pt-BR" b="0" dirty="0" smtClean="0"/>
+              <a:t>-&gt; </a:t>
+            </a:r>
+            <a:r>
+              <a:rPr lang="pt-BR" b="0" smtClean="0"/>
+              <a:t>Anális</a:t>
+            </a:r>
+            <a:r>
+              <a:rPr lang="pt-BR" b="0" baseline="0" smtClean="0"/>
+              <a:t>e Fundamentalista</a:t>
+            </a:r>
+          </a:p>
+          <a:p>
+            <a:endParaRPr lang="pt-BR" b="0" dirty="0"/>
+          </a:p>
+        </p:txBody>
+      </p:sp>
+      <p:sp>
+        <p:nvSpPr>
+          <p:cNvPr id="4" name="Espaço Reservado para Número de Slide 3"/>
+          <p:cNvSpPr>
+            <a:spLocks noGrp="1"/>
+          </p:cNvSpPr>
+          <p:nvPr>
+            <p:ph type="sldNum" sz="quarter" idx="10"/>
+          </p:nvPr>
+        </p:nvSpPr>
+        <p:spPr/>
+        <p:txBody>
+          <a:bodyPr/>
+          <a:lstStyle/>
+          <a:p>
+            <a:fld id="{2B5E1511-57C9-4010-B804-AF160D10F624}" type="slidenum">
+              <a:rPr lang="pt-BR" smtClean="0"/>
+              <a:pPr/>
+              <a:t>5</a:t>
+            </a:fld>
+            <a:endParaRPr lang="pt-BR" dirty="0"/>
+          </a:p>
+        </p:txBody>
+      </p:sp>
+    </p:spTree>
+    <p:extLst>
+      <p:ext uri="{BB962C8B-B14F-4D97-AF65-F5344CB8AC3E}">
+        <p14:creationId xmlns:p14="http://schemas.microsoft.com/office/powerpoint/2010/main" val="3174089483"/>
+      </p:ext>
+    </p:extLst>
+  </p:cSld>
+  <p:clrMapOvr>
+    <a:masterClrMapping/>
+  </p:clrMapOvr>
+</p:notes>
 </file>
 
 <file path=ppt/slideLayouts/slideLayout1.xml><?xml version="1.0" encoding="utf-8"?>
@@ -2233,11 +2506,7 @@
             <a:pPr lvl="1"/>
             <a:r>
               <a:rPr lang="en-US" dirty="0"/>
-              <a:t>Bayesian Methods and Neural </a:t>
-            </a:r>
-            <a:r>
-              <a:rPr lang="en-US" dirty="0"/>
-              <a:t>Networks (David </a:t>
+              <a:t>Bayesian Methods and Neural Networks (David </a:t>
             </a:r>
             <a:r>
               <a:rPr lang="en-US" dirty="0" smtClean="0"/>
@@ -2662,11 +2931,7 @@
           <a:p>
             <a:r>
               <a:rPr lang="pt-BR" dirty="0" smtClean="0"/>
-              <a:t>Cenário – Mercado </a:t>
-            </a:r>
-            <a:r>
-              <a:rPr lang="pt-BR" dirty="0" smtClean="0"/>
-              <a:t>de Ações</a:t>
+              <a:t>Cenário – Mercado de Ações</a:t>
             </a:r>
           </a:p>
           <a:p>
@@ -2686,11 +2951,7 @@
           <a:p>
             <a:r>
               <a:rPr lang="pt-BR" dirty="0" smtClean="0"/>
-              <a:t>Escopo do </a:t>
-            </a:r>
-            <a:r>
-              <a:rPr lang="pt-BR" dirty="0" smtClean="0"/>
-              <a:t>Estudo</a:t>
+              <a:t>Escopo do Estudo</a:t>
             </a:r>
           </a:p>
           <a:p>
@@ -2708,7 +2969,6 @@
               <a:rPr lang="pt-BR" dirty="0" smtClean="0"/>
               <a:t>Arquitetura</a:t>
             </a:r>
-            <a:endParaRPr lang="pt-BR" dirty="0" smtClean="0"/>
           </a:p>
           <a:p>
             <a:r>
@@ -2727,7 +2987,6 @@
               <a:rPr lang="pt-BR" dirty="0" smtClean="0"/>
               <a:t>Referências</a:t>
             </a:r>
-            <a:endParaRPr lang="pt-BR" dirty="0" smtClean="0"/>
           </a:p>
         </p:txBody>
       </p:sp>
@@ -2785,11 +3044,7 @@
           <a:p>
             <a:r>
               <a:rPr lang="pt-BR" dirty="0" smtClean="0"/>
-              <a:t>Cenário – Mercado </a:t>
-            </a:r>
-            <a:r>
-              <a:rPr lang="pt-BR" dirty="0" smtClean="0"/>
-              <a:t>de Ações</a:t>
+              <a:t>Cenário – Mercado de Ações</a:t>
             </a:r>
             <a:endParaRPr lang="pt-BR" dirty="0"/>
           </a:p>
@@ -2901,8 +3156,17 @@
           <a:p>
             <a:r>
               <a:rPr lang="pt-BR" dirty="0" smtClean="0"/>
-              <a:t>Diariamente, milhares de transações financeiras são efetuadas;</a:t>
-            </a:r>
+              <a:t>Diariamente </a:t>
+            </a:r>
+            <a:r>
+              <a:rPr lang="pt-BR" dirty="0" smtClean="0"/>
+              <a:t>milhares de transações financeiras são </a:t>
+            </a:r>
+            <a:r>
+              <a:rPr lang="pt-BR" dirty="0" smtClean="0"/>
+              <a:t>efetuadas.</a:t>
+            </a:r>
+            <a:endParaRPr lang="pt-BR" dirty="0" smtClean="0"/>
           </a:p>
           <a:p>
             <a:r>
@@ -2974,7 +3238,7 @@
           <p:nvPr>
             <p:extLst>
               <p:ext uri="{D42A27DB-BD31-4B8C-83A1-F6EECF244321}">
-                <p14:modId xmlns:p14="http://schemas.microsoft.com/office/powerpoint/2010/main" val="2668310846"/>
+                <p14:modId xmlns:p14="http://schemas.microsoft.com/office/powerpoint/2010/main" val="2172713191"/>
               </p:ext>
             </p:extLst>
           </p:nvPr>
@@ -3017,11 +3281,7 @@
                       <a:pPr algn="ctr"/>
                       <a:r>
                         <a:rPr lang="pt-BR" dirty="0" smtClean="0"/>
-                        <a:t>Transações </a:t>
-                      </a:r>
-                      <a:r>
-                        <a:rPr lang="pt-BR" dirty="0" smtClean="0"/>
-                        <a:t>Diárias [2]</a:t>
+                        <a:t>Transações Diárias [2]</a:t>
                       </a:r>
                       <a:endParaRPr lang="pt-BR" dirty="0"/>
                     </a:p>
@@ -3053,7 +3313,7 @@
                       <a:pPr algn="ctr"/>
                       <a:r>
                         <a:rPr lang="pt-BR" dirty="0" smtClean="0"/>
-                        <a:t>2.946.646</a:t>
+                        <a:t>2.9B</a:t>
                       </a:r>
                       <a:endParaRPr lang="pt-BR" dirty="0"/>
                     </a:p>
@@ -3085,7 +3345,7 @@
                       <a:pPr algn="ctr"/>
                       <a:r>
                         <a:rPr lang="pt-BR" dirty="0" smtClean="0"/>
-                        <a:t>135.473.871</a:t>
+                        <a:t>135B</a:t>
                       </a:r>
                       <a:endParaRPr lang="pt-BR" dirty="0"/>
                     </a:p>
@@ -3117,7 +3377,7 @@
                       <a:pPr algn="ctr"/>
                       <a:r>
                         <a:rPr lang="pt-BR" dirty="0" smtClean="0"/>
-                        <a:t>555.288.072</a:t>
+                        <a:t>555B</a:t>
                       </a:r>
                       <a:endParaRPr lang="pt-BR" dirty="0"/>
                     </a:p>
@@ -3149,7 +3409,7 @@
                       <a:pPr algn="ctr"/>
                       <a:r>
                         <a:rPr lang="pt-BR" dirty="0" smtClean="0"/>
-                        <a:t>124.370</a:t>
+                        <a:t>124M</a:t>
                       </a:r>
                       <a:endParaRPr lang="pt-BR" dirty="0"/>
                     </a:p>
@@ -3215,11 +3475,7 @@
           <a:p>
             <a:r>
               <a:rPr lang="pt-BR" dirty="0" smtClean="0"/>
-              <a:t>Cenário – Conceitos </a:t>
-            </a:r>
-            <a:r>
-              <a:rPr lang="pt-BR" dirty="0" smtClean="0"/>
-              <a:t>Importantes</a:t>
+              <a:t>Cenário – Conceitos Importantes</a:t>
             </a:r>
             <a:endParaRPr lang="pt-BR" dirty="0"/>
           </a:p>
@@ -3374,11 +3630,7 @@
           <a:p>
             <a:r>
               <a:rPr lang="pt-BR" dirty="0" smtClean="0"/>
-              <a:t>Cenário – Conceitos </a:t>
-            </a:r>
-            <a:r>
-              <a:rPr lang="pt-BR" dirty="0" smtClean="0"/>
-              <a:t>Importantes</a:t>
+              <a:t>Cenário – Conceitos Importantes</a:t>
             </a:r>
             <a:endParaRPr lang="pt-BR" dirty="0"/>
           </a:p>
@@ -3479,7 +3731,6 @@
               <a:rPr lang="pt-BR" dirty="0" smtClean="0"/>
               <a:t>Vendido</a:t>
             </a:r>
-            <a:endParaRPr lang="pt-BR" dirty="0" smtClean="0"/>
           </a:p>
           <a:p>
             <a:endParaRPr lang="pt-BR" dirty="0" smtClean="0"/>

--- a/Apresentação/Apresentação - v00.01.pptx
+++ b/Apresentação/Apresentação - v00.01.pptx
@@ -126,7 +126,7 @@
   </p:defaultTextStyle>
   <p:extLst>
     <p:ext uri="{EFAFB233-063F-42B5-8137-9DF3F51BA10A}">
-      <p15:sldGuideLst xmlns:p15="http://schemas.microsoft.com/office/powerpoint/2012/main">
+      <p15:sldGuideLst xmlns:p15="http://schemas.microsoft.com/office/powerpoint/2012/main" xmlns="">
         <p15:guide id="1" orient="horz" pos="2188" userDrawn="1">
           <p15:clr>
             <a:srgbClr val="A4A3A4"/>
@@ -145,7 +145,7 @@
       </p15:sldGuideLst>
     </p:ext>
     <p:ext uri="{2D200454-40CA-4A62-9FC3-DE9A4176ACB9}">
-      <p15:notesGuideLst xmlns:p15="http://schemas.microsoft.com/office/powerpoint/2012/main">
+      <p15:notesGuideLst xmlns:p15="http://schemas.microsoft.com/office/powerpoint/2012/main" xmlns="">
         <p15:guide id="1" orient="horz" pos="2928">
           <p15:clr>
             <a:srgbClr val="A4A3A4"/>
@@ -321,7 +321,7 @@
     </p:spTree>
     <p:extLst>
       <p:ext uri="{BB962C8B-B14F-4D97-AF65-F5344CB8AC3E}">
-        <p14:creationId xmlns:p14="http://schemas.microsoft.com/office/powerpoint/2010/main" val="1732139151"/>
+        <p14:creationId xmlns:p14="http://schemas.microsoft.com/office/powerpoint/2010/main" xmlns="" val="1732139151"/>
       </p:ext>
     </p:extLst>
   </p:cSld>
@@ -581,7 +581,7 @@
     </p:spTree>
     <p:extLst>
       <p:ext uri="{BB962C8B-B14F-4D97-AF65-F5344CB8AC3E}">
-        <p14:creationId xmlns:p14="http://schemas.microsoft.com/office/powerpoint/2010/main" val="2250233948"/>
+        <p14:creationId xmlns:p14="http://schemas.microsoft.com/office/powerpoint/2010/main" xmlns="" val="2250233948"/>
       </p:ext>
     </p:extLst>
   </p:cSld>
@@ -722,198 +722,12 @@
         </p:nvSpPr>
         <p:spPr/>
         <p:txBody>
-          <a:bodyPr/>
+          <a:bodyPr>
+            <a:normAutofit/>
+          </a:bodyPr>
           <a:lstStyle/>
           <a:p>
-            <a:r>
-              <a:rPr lang="pt-BR" dirty="0" smtClean="0"/>
-              <a:t>-&gt; </a:t>
-            </a:r>
-            <a:r>
-              <a:rPr lang="pt-BR" b="1" dirty="0" smtClean="0"/>
-              <a:t>Wall Street</a:t>
-            </a:r>
-          </a:p>
-          <a:p>
-            <a:r>
-              <a:rPr lang="pt-BR" sz="1200" i="0" kern="1200" dirty="0" smtClean="0">
-                <a:solidFill>
-                  <a:schemeClr val="tx1"/>
-                </a:solidFill>
-                <a:effectLst/>
-                <a:latin typeface="+mn-lt"/>
-                <a:ea typeface="+mn-ea"/>
-                <a:cs typeface="+mn-cs"/>
-              </a:rPr>
-              <a:t>Wall Street tem esse nome por causa de um muro (</a:t>
-            </a:r>
-            <a:r>
-              <a:rPr lang="pt-BR" sz="1200" i="0" kern="1200" dirty="0" err="1" smtClean="0">
-                <a:solidFill>
-                  <a:schemeClr val="tx1"/>
-                </a:solidFill>
-                <a:effectLst/>
-                <a:latin typeface="+mn-lt"/>
-                <a:ea typeface="+mn-ea"/>
-                <a:cs typeface="+mn-cs"/>
-              </a:rPr>
-              <a:t>wall</a:t>
-            </a:r>
-            <a:r>
-              <a:rPr lang="pt-BR" sz="1200" i="0" kern="1200" dirty="0" smtClean="0">
-                <a:solidFill>
-                  <a:schemeClr val="tx1"/>
-                </a:solidFill>
-                <a:effectLst/>
-                <a:latin typeface="+mn-lt"/>
-                <a:ea typeface="+mn-ea"/>
-                <a:cs typeface="+mn-cs"/>
-              </a:rPr>
-              <a:t>) que impedia os animais domésticos de se afastarem demais do assentamento existente na ponta de Manhattan.</a:t>
-            </a:r>
-          </a:p>
-          <a:p>
-            <a:r>
-              <a:rPr lang="pt-BR" sz="1200" i="0" kern="1200" baseline="0" dirty="0" smtClean="0">
-                <a:solidFill>
-                  <a:schemeClr val="tx1"/>
-                </a:solidFill>
-                <a:effectLst/>
-                <a:latin typeface="+mn-lt"/>
-                <a:ea typeface="+mn-ea"/>
-                <a:cs typeface="+mn-cs"/>
-              </a:rPr>
-              <a:t>  </a:t>
-            </a:r>
-            <a:r>
-              <a:rPr lang="pt-BR" dirty="0" smtClean="0"/>
-              <a:t>-&gt; </a:t>
-            </a:r>
-            <a:r>
-              <a:rPr lang="pt-BR" b="1" dirty="0" smtClean="0"/>
-              <a:t>Lobos</a:t>
-            </a:r>
-          </a:p>
-          <a:p>
-            <a:r>
-              <a:rPr lang="pt-BR" b="1" baseline="0" dirty="0" smtClean="0"/>
-              <a:t>  </a:t>
-            </a:r>
-            <a:r>
-              <a:rPr lang="pt-BR" baseline="0" dirty="0" smtClean="0"/>
-              <a:t>São os vendedores. São os operadores que apostam na baixa dos preços para lucrar.</a:t>
-            </a:r>
-          </a:p>
-          <a:p>
-            <a:r>
-              <a:rPr lang="pt-BR" baseline="0" dirty="0" smtClean="0"/>
-              <a:t>  </a:t>
-            </a:r>
-            <a:r>
-              <a:rPr lang="pt-BR" dirty="0" smtClean="0"/>
-              <a:t>-&gt;</a:t>
-            </a:r>
-            <a:r>
-              <a:rPr lang="pt-BR" baseline="0" dirty="0" smtClean="0"/>
-              <a:t> </a:t>
-            </a:r>
-            <a:r>
-              <a:rPr lang="pt-BR" b="1" baseline="0" dirty="0" smtClean="0"/>
-              <a:t>Ursos</a:t>
-            </a:r>
-          </a:p>
-          <a:p>
-            <a:r>
-              <a:rPr lang="pt-BR" b="1" baseline="0" dirty="0" smtClean="0"/>
-              <a:t>  </a:t>
-            </a:r>
-            <a:r>
-              <a:rPr lang="pt-BR" baseline="0" dirty="0" smtClean="0"/>
-              <a:t>São os compradores. </a:t>
-            </a:r>
-            <a:r>
-              <a:rPr lang="pt-BR" baseline="0" dirty="0" smtClean="0"/>
-              <a:t>São os operadores que apostam na alta dos preços para lucrar.</a:t>
-            </a:r>
-          </a:p>
-          <a:p>
-            <a:r>
-              <a:rPr lang="pt-BR" baseline="0" dirty="0" smtClean="0"/>
-              <a:t>  -&gt; </a:t>
-            </a:r>
-            <a:r>
-              <a:rPr lang="pt-BR" b="1" baseline="0" dirty="0" smtClean="0"/>
-              <a:t>Porcos</a:t>
-            </a:r>
-          </a:p>
-          <a:p>
-            <a:r>
-              <a:rPr lang="pt-BR" b="1" baseline="0" dirty="0" smtClean="0"/>
-              <a:t>  </a:t>
-            </a:r>
-            <a:r>
-              <a:rPr lang="pt-BR" dirty="0" smtClean="0"/>
-              <a:t>São os operadores gulosos. Sempre</a:t>
-            </a:r>
-            <a:r>
-              <a:rPr lang="pt-BR" baseline="0" dirty="0" smtClean="0"/>
-              <a:t> acabam abatidos para satisfazer a próprio intemperança.</a:t>
-            </a:r>
-          </a:p>
-          <a:p>
-            <a:r>
-              <a:rPr lang="pt-BR" baseline="0" dirty="0" smtClean="0"/>
-              <a:t>  -&gt; </a:t>
-            </a:r>
-            <a:r>
-              <a:rPr lang="pt-BR" b="1" baseline="0" dirty="0" smtClean="0"/>
-              <a:t>Carneiros</a:t>
-            </a:r>
-          </a:p>
-          <a:p>
-            <a:r>
-              <a:rPr lang="pt-BR" b="1" baseline="0" dirty="0" smtClean="0"/>
-              <a:t>  </a:t>
-            </a:r>
-            <a:r>
-              <a:rPr lang="pt-BR" b="0" baseline="0" dirty="0" smtClean="0"/>
-              <a:t>São os operadores que mantém suas posições por muito tempo. São seguidores passivos e medrosos de tendências, de dicas e de gurus.</a:t>
-            </a:r>
-          </a:p>
-          <a:p>
-            <a:r>
-              <a:rPr lang="pt-BR" b="0" baseline="0" dirty="0" smtClean="0"/>
-              <a:t>-------</a:t>
-            </a:r>
-          </a:p>
-          <a:p>
-            <a:r>
-              <a:rPr lang="pt-BR" b="0" baseline="0" dirty="0" smtClean="0"/>
-              <a:t>-&gt; Análise Técnica</a:t>
-            </a:r>
-          </a:p>
-          <a:p>
-            <a:r>
-              <a:rPr lang="pt-BR" b="0" dirty="0" smtClean="0"/>
-              <a:t>A análise técnica é psicologia social aplicada. Seu objetivo é identificar tendências e mudanças no comportamento das multidões, a fim de tomar decisões inteligentes sobre as operações no mercado.</a:t>
-            </a:r>
-          </a:p>
-          <a:p>
-            <a:r>
-              <a:rPr lang="pt-BR" b="0" dirty="0" smtClean="0"/>
-              <a:t>-&gt; </a:t>
-            </a:r>
-            <a:r>
-              <a:rPr lang="pt-BR" b="0" smtClean="0"/>
-              <a:t>Anális</a:t>
-            </a:r>
-            <a:r>
-              <a:rPr lang="pt-BR" b="0" baseline="0" smtClean="0"/>
-              <a:t>e Fundamentalista</a:t>
-            </a:r>
-          </a:p>
-          <a:p>
-            <a:endParaRPr lang="pt-BR" b="0" dirty="0"/>
+            <a:endParaRPr lang="pt-BR" dirty="0"/>
           </a:p>
         </p:txBody>
       </p:sp>
@@ -935,6 +749,284 @@
             <a:fld id="{2B5E1511-57C9-4010-B804-AF160D10F624}" type="slidenum">
               <a:rPr lang="pt-BR" smtClean="0"/>
               <a:pPr/>
+              <a:t>1</a:t>
+            </a:fld>
+            <a:endParaRPr lang="pt-BR" dirty="0"/>
+          </a:p>
+        </p:txBody>
+      </p:sp>
+    </p:spTree>
+  </p:cSld>
+  <p:clrMapOvr>
+    <a:masterClrMapping/>
+  </p:clrMapOvr>
+</p:notes>
+</file>
+
+<file path=ppt/notesSlides/notesSlide2.xml><?xml version="1.0" encoding="utf-8"?>
+<p:notes xmlns:a="http://schemas.openxmlformats.org/drawingml/2006/main" xmlns:r="http://schemas.openxmlformats.org/officeDocument/2006/relationships" xmlns:p="http://schemas.openxmlformats.org/presentationml/2006/main">
+  <p:cSld>
+    <p:spTree>
+      <p:nvGrpSpPr>
+        <p:cNvPr id="1" name=""/>
+        <p:cNvGrpSpPr/>
+        <p:nvPr/>
+      </p:nvGrpSpPr>
+      <p:grpSpPr>
+        <a:xfrm>
+          <a:off x="0" y="0"/>
+          <a:ext cx="0" cy="0"/>
+          <a:chOff x="0" y="0"/>
+          <a:chExt cx="0" cy="0"/>
+        </a:xfrm>
+      </p:grpSpPr>
+      <p:sp>
+        <p:nvSpPr>
+          <p:cNvPr id="2" name="Espaço Reservado para Imagem de Slide 1"/>
+          <p:cNvSpPr>
+            <a:spLocks noGrp="1" noRot="1" noChangeAspect="1"/>
+          </p:cNvSpPr>
+          <p:nvPr>
+            <p:ph type="sldImg"/>
+          </p:nvPr>
+        </p:nvSpPr>
+        <p:spPr/>
+      </p:sp>
+      <p:sp>
+        <p:nvSpPr>
+          <p:cNvPr id="3" name="Espaço Reservado para Anotações 2"/>
+          <p:cNvSpPr>
+            <a:spLocks noGrp="1"/>
+          </p:cNvSpPr>
+          <p:nvPr>
+            <p:ph type="body" idx="1"/>
+          </p:nvPr>
+        </p:nvSpPr>
+        <p:spPr/>
+        <p:txBody>
+          <a:bodyPr/>
+          <a:lstStyle/>
+          <a:p>
+            <a:r>
+              <a:rPr lang="pt-BR" dirty="0" smtClean="0"/>
+              <a:t>-&gt; </a:t>
+            </a:r>
+            <a:r>
+              <a:rPr lang="pt-BR" b="1" dirty="0" smtClean="0"/>
+              <a:t>Wall Street</a:t>
+            </a:r>
+          </a:p>
+          <a:p>
+            <a:r>
+              <a:rPr lang="pt-BR" sz="1200" i="0" kern="1200" dirty="0" smtClean="0">
+                <a:solidFill>
+                  <a:schemeClr val="tx1"/>
+                </a:solidFill>
+                <a:effectLst/>
+                <a:latin typeface="+mn-lt"/>
+                <a:ea typeface="+mn-ea"/>
+                <a:cs typeface="+mn-cs"/>
+              </a:rPr>
+              <a:t>Wall Street tem esse nome por causa de um muro (</a:t>
+            </a:r>
+            <a:r>
+              <a:rPr lang="pt-BR" sz="1200" i="0" kern="1200" dirty="0" err="1" smtClean="0">
+                <a:solidFill>
+                  <a:schemeClr val="tx1"/>
+                </a:solidFill>
+                <a:effectLst/>
+                <a:latin typeface="+mn-lt"/>
+                <a:ea typeface="+mn-ea"/>
+                <a:cs typeface="+mn-cs"/>
+              </a:rPr>
+              <a:t>wall</a:t>
+            </a:r>
+            <a:r>
+              <a:rPr lang="pt-BR" sz="1200" i="0" kern="1200" dirty="0" smtClean="0">
+                <a:solidFill>
+                  <a:schemeClr val="tx1"/>
+                </a:solidFill>
+                <a:effectLst/>
+                <a:latin typeface="+mn-lt"/>
+                <a:ea typeface="+mn-ea"/>
+                <a:cs typeface="+mn-cs"/>
+              </a:rPr>
+              <a:t>) que impedia os animais domésticos de se afastarem demais do assentamento existente na ponta de Manhattan.</a:t>
+            </a:r>
+          </a:p>
+          <a:p>
+            <a:r>
+              <a:rPr lang="pt-BR" sz="1200" i="0" kern="1200" baseline="0" dirty="0" smtClean="0">
+                <a:solidFill>
+                  <a:schemeClr val="tx1"/>
+                </a:solidFill>
+                <a:effectLst/>
+                <a:latin typeface="+mn-lt"/>
+                <a:ea typeface="+mn-ea"/>
+                <a:cs typeface="+mn-cs"/>
+              </a:rPr>
+              <a:t>  </a:t>
+            </a:r>
+            <a:r>
+              <a:rPr lang="pt-BR" dirty="0" smtClean="0"/>
+              <a:t>-&gt; </a:t>
+            </a:r>
+            <a:r>
+              <a:rPr lang="pt-BR" b="1" dirty="0" smtClean="0"/>
+              <a:t>Lobos</a:t>
+            </a:r>
+          </a:p>
+          <a:p>
+            <a:r>
+              <a:rPr lang="pt-BR" b="1" baseline="0" dirty="0" smtClean="0"/>
+              <a:t>  </a:t>
+            </a:r>
+            <a:r>
+              <a:rPr lang="pt-BR" baseline="0" dirty="0" smtClean="0"/>
+              <a:t>São os vendedores. São os operadores que apostam na baixa dos preços para lucrar.</a:t>
+            </a:r>
+          </a:p>
+          <a:p>
+            <a:r>
+              <a:rPr lang="pt-BR" baseline="0" dirty="0" smtClean="0"/>
+              <a:t>  </a:t>
+            </a:r>
+            <a:r>
+              <a:rPr lang="pt-BR" dirty="0" smtClean="0"/>
+              <a:t>-&gt;</a:t>
+            </a:r>
+            <a:r>
+              <a:rPr lang="pt-BR" baseline="0" dirty="0" smtClean="0"/>
+              <a:t> </a:t>
+            </a:r>
+            <a:r>
+              <a:rPr lang="pt-BR" b="1" baseline="0" dirty="0" smtClean="0"/>
+              <a:t>Ursos</a:t>
+            </a:r>
+          </a:p>
+          <a:p>
+            <a:r>
+              <a:rPr lang="pt-BR" b="1" baseline="0" dirty="0" smtClean="0"/>
+              <a:t>  </a:t>
+            </a:r>
+            <a:r>
+              <a:rPr lang="pt-BR" baseline="0" dirty="0" smtClean="0"/>
+              <a:t>São os compradores. São os operadores que apostam na alta dos preços para lucrar.</a:t>
+            </a:r>
+          </a:p>
+          <a:p>
+            <a:r>
+              <a:rPr lang="pt-BR" baseline="0" dirty="0" smtClean="0"/>
+              <a:t>  -&gt; </a:t>
+            </a:r>
+            <a:r>
+              <a:rPr lang="pt-BR" b="1" baseline="0" dirty="0" smtClean="0"/>
+              <a:t>Porcos</a:t>
+            </a:r>
+          </a:p>
+          <a:p>
+            <a:r>
+              <a:rPr lang="pt-BR" b="1" baseline="0" dirty="0" smtClean="0"/>
+              <a:t>  </a:t>
+            </a:r>
+            <a:r>
+              <a:rPr lang="pt-BR" dirty="0" smtClean="0"/>
+              <a:t>São os operadores gulosos. Sempre</a:t>
+            </a:r>
+            <a:r>
+              <a:rPr lang="pt-BR" baseline="0" dirty="0" smtClean="0"/>
+              <a:t> acabam abatidos para satisfazer a próprio intemperança.</a:t>
+            </a:r>
+          </a:p>
+          <a:p>
+            <a:r>
+              <a:rPr lang="pt-BR" baseline="0" dirty="0" smtClean="0"/>
+              <a:t>  -&gt; </a:t>
+            </a:r>
+            <a:r>
+              <a:rPr lang="pt-BR" b="1" baseline="0" dirty="0" smtClean="0"/>
+              <a:t>Carneiros</a:t>
+            </a:r>
+          </a:p>
+          <a:p>
+            <a:r>
+              <a:rPr lang="pt-BR" b="1" baseline="0" dirty="0" smtClean="0"/>
+              <a:t>  </a:t>
+            </a:r>
+            <a:r>
+              <a:rPr lang="pt-BR" b="0" baseline="0" dirty="0" smtClean="0"/>
+              <a:t>São os operadores que mantém suas posições por muito tempo. São seguidores passivos e medrosos de tendências, de dicas e de gurus.</a:t>
+            </a:r>
+          </a:p>
+          <a:p>
+            <a:r>
+              <a:rPr lang="pt-BR" b="0" baseline="0" dirty="0" smtClean="0"/>
+              <a:t>-------</a:t>
+            </a:r>
+          </a:p>
+          <a:p>
+            <a:r>
+              <a:rPr lang="pt-BR" b="0" baseline="0" dirty="0" smtClean="0"/>
+              <a:t>-&gt; Análise Técnica</a:t>
+            </a:r>
+          </a:p>
+          <a:p>
+            <a:r>
+              <a:rPr lang="pt-BR" b="0" dirty="0" smtClean="0"/>
+              <a:t>A análise técnica é psicologia social aplicada. Seu objetivo é identificar tendências e mudanças no comportamento das multidões, a fim de tomar decisões inteligentes sobre as operações no mercado.</a:t>
+            </a:r>
+          </a:p>
+          <a:p>
+            <a:r>
+              <a:rPr lang="pt-BR" b="0" dirty="0" smtClean="0"/>
+              <a:t>-&gt; Anális</a:t>
+            </a:r>
+            <a:r>
+              <a:rPr lang="pt-BR" b="0" baseline="0" dirty="0" smtClean="0"/>
+              <a:t>e Fundamentalista</a:t>
+            </a:r>
+          </a:p>
+          <a:p>
+            <a:r>
+              <a:rPr lang="pt-BR" b="0" dirty="0" smtClean="0"/>
+              <a:t>A análise fundamentalista visa avaliar a saúde financeira das empresas, projetar seus resultados futuros e determinar o preço justo para as suas ações. Uma boa análise leva em conta tanto fatores macro quanto microeconômicos.</a:t>
+            </a:r>
+          </a:p>
+          <a:p>
+            <a:r>
+              <a:rPr lang="pt-BR" b="0" dirty="0" smtClean="0"/>
+              <a:t>Ela também fornece alguns indicadores que permitem ao investidor avaliar quanto valem suas ações, quanto elas podem gerar em dividendos, em quanto tempo ele pode recuperar o que investiu e assim por </a:t>
+            </a:r>
+            <a:r>
+              <a:rPr lang="pt-BR" b="0" smtClean="0"/>
+              <a:t>diante. Para </a:t>
+            </a:r>
+            <a:r>
+              <a:rPr lang="pt-BR" b="0" dirty="0" smtClean="0"/>
+              <a:t>compor esses indicativos: lucro operacional, ativo, passivo, patrimônio líquido, receita bruta e assim por diante.</a:t>
+            </a:r>
+            <a:endParaRPr lang="pt-BR" b="0" dirty="0"/>
+          </a:p>
+        </p:txBody>
+      </p:sp>
+      <p:sp>
+        <p:nvSpPr>
+          <p:cNvPr id="4" name="Espaço Reservado para Número de Slide 3"/>
+          <p:cNvSpPr>
+            <a:spLocks noGrp="1"/>
+          </p:cNvSpPr>
+          <p:nvPr>
+            <p:ph type="sldNum" sz="quarter" idx="10"/>
+          </p:nvPr>
+        </p:nvSpPr>
+        <p:spPr/>
+        <p:txBody>
+          <a:bodyPr/>
+          <a:lstStyle/>
+          <a:p>
+            <a:fld id="{2B5E1511-57C9-4010-B804-AF160D10F624}" type="slidenum">
+              <a:rPr lang="pt-BR" smtClean="0"/>
+              <a:pPr/>
               <a:t>5</a:t>
             </a:fld>
             <a:endParaRPr lang="pt-BR" dirty="0"/>
@@ -944,7 +1036,7 @@
     </p:spTree>
     <p:extLst>
       <p:ext uri="{BB962C8B-B14F-4D97-AF65-F5344CB8AC3E}">
-        <p14:creationId xmlns:p14="http://schemas.microsoft.com/office/powerpoint/2010/main" val="3174089483"/>
+        <p14:creationId xmlns:p14="http://schemas.microsoft.com/office/powerpoint/2010/main" xmlns="" val="3174089483"/>
       </p:ext>
     </p:extLst>
   </p:cSld>
@@ -1981,7 +2073,7 @@
     </p:spTree>
     <p:extLst>
       <p:ext uri="{BB962C8B-B14F-4D97-AF65-F5344CB8AC3E}">
-        <p14:creationId xmlns:p14="http://schemas.microsoft.com/office/powerpoint/2010/main" val="2381970670"/>
+        <p14:creationId xmlns:p14="http://schemas.microsoft.com/office/powerpoint/2010/main" xmlns="" val="2381970670"/>
       </p:ext>
     </p:extLst>
   </p:cSld>
@@ -2069,7 +2161,7 @@
     </p:spTree>
     <p:extLst>
       <p:ext uri="{BB962C8B-B14F-4D97-AF65-F5344CB8AC3E}">
-        <p14:creationId xmlns:p14="http://schemas.microsoft.com/office/powerpoint/2010/main" val="3737120950"/>
+        <p14:creationId xmlns:p14="http://schemas.microsoft.com/office/powerpoint/2010/main" xmlns="" val="3737120950"/>
       </p:ext>
     </p:extLst>
   </p:cSld>
@@ -2179,7 +2271,7 @@
     </p:spTree>
     <p:extLst>
       <p:ext uri="{BB962C8B-B14F-4D97-AF65-F5344CB8AC3E}">
-        <p14:creationId xmlns:p14="http://schemas.microsoft.com/office/powerpoint/2010/main" val="678902127"/>
+        <p14:creationId xmlns:p14="http://schemas.microsoft.com/office/powerpoint/2010/main" xmlns="" val="678902127"/>
       </p:ext>
     </p:extLst>
   </p:cSld>
@@ -2262,7 +2354,7 @@
     </p:spTree>
     <p:extLst>
       <p:ext uri="{BB962C8B-B14F-4D97-AF65-F5344CB8AC3E}">
-        <p14:creationId xmlns:p14="http://schemas.microsoft.com/office/powerpoint/2010/main" val="827115717"/>
+        <p14:creationId xmlns:p14="http://schemas.microsoft.com/office/powerpoint/2010/main" xmlns="" val="827115717"/>
       </p:ext>
     </p:extLst>
   </p:cSld>
@@ -2385,7 +2477,7 @@
     </p:spTree>
     <p:extLst>
       <p:ext uri="{BB962C8B-B14F-4D97-AF65-F5344CB8AC3E}">
-        <p14:creationId xmlns:p14="http://schemas.microsoft.com/office/powerpoint/2010/main" val="3022947460"/>
+        <p14:creationId xmlns:p14="http://schemas.microsoft.com/office/powerpoint/2010/main" xmlns="" val="3022947460"/>
       </p:ext>
     </p:extLst>
   </p:cSld>
@@ -2604,7 +2696,7 @@
     </p:spTree>
     <p:extLst>
       <p:ext uri="{BB962C8B-B14F-4D97-AF65-F5344CB8AC3E}">
-        <p14:creationId xmlns:p14="http://schemas.microsoft.com/office/powerpoint/2010/main" val="15104644"/>
+        <p14:creationId xmlns:p14="http://schemas.microsoft.com/office/powerpoint/2010/main" xmlns="" val="15104644"/>
       </p:ext>
     </p:extLst>
   </p:cSld>
@@ -2852,7 +2944,7 @@
     </p:spTree>
     <p:extLst>
       <p:ext uri="{BB962C8B-B14F-4D97-AF65-F5344CB8AC3E}">
-        <p14:creationId xmlns:p14="http://schemas.microsoft.com/office/powerpoint/2010/main" val="3158507026"/>
+        <p14:creationId xmlns:p14="http://schemas.microsoft.com/office/powerpoint/2010/main" xmlns="" val="3158507026"/>
       </p:ext>
     </p:extLst>
   </p:cSld>
@@ -2993,7 +3085,7 @@
     </p:spTree>
     <p:extLst>
       <p:ext uri="{BB962C8B-B14F-4D97-AF65-F5344CB8AC3E}">
-        <p14:creationId xmlns:p14="http://schemas.microsoft.com/office/powerpoint/2010/main" val="1951175977"/>
+        <p14:creationId xmlns:p14="http://schemas.microsoft.com/office/powerpoint/2010/main" xmlns="" val="1951175977"/>
       </p:ext>
     </p:extLst>
   </p:cSld>
@@ -3064,7 +3156,7 @@
           <a:blip r:embed="rId2" cstate="print">
             <a:extLst>
               <a:ext uri="{28A0092B-C50C-407E-A947-70E740481C1C}">
-                <a14:useLocalDpi xmlns:a14="http://schemas.microsoft.com/office/drawing/2010/main" val="0"/>
+                <a14:useLocalDpi xmlns:a14="http://schemas.microsoft.com/office/drawing/2010/main" xmlns="" val="0"/>
               </a:ext>
             </a:extLst>
           </a:blip>
@@ -3082,7 +3174,7 @@
     </p:spTree>
     <p:extLst>
       <p:ext uri="{BB962C8B-B14F-4D97-AF65-F5344CB8AC3E}">
-        <p14:creationId xmlns:p14="http://schemas.microsoft.com/office/powerpoint/2010/main" val="2438555748"/>
+        <p14:creationId xmlns:p14="http://schemas.microsoft.com/office/powerpoint/2010/main" xmlns="" val="2438555748"/>
       </p:ext>
     </p:extLst>
   </p:cSld>
@@ -3156,17 +3248,8 @@
           <a:p>
             <a:r>
               <a:rPr lang="pt-BR" dirty="0" smtClean="0"/>
-              <a:t>Diariamente </a:t>
-            </a:r>
-            <a:r>
-              <a:rPr lang="pt-BR" dirty="0" smtClean="0"/>
-              <a:t>milhares de transações financeiras são </a:t>
-            </a:r>
-            <a:r>
-              <a:rPr lang="pt-BR" dirty="0" smtClean="0"/>
-              <a:t>efetuadas.</a:t>
-            </a:r>
-            <a:endParaRPr lang="pt-BR" dirty="0" smtClean="0"/>
+              <a:t>Diariamente milhares de transações financeiras são efetuadas.</a:t>
+            </a:r>
           </a:p>
           <a:p>
             <a:r>
@@ -3238,7 +3321,7 @@
           <p:nvPr>
             <p:extLst>
               <p:ext uri="{D42A27DB-BD31-4B8C-83A1-F6EECF244321}">
-                <p14:modId xmlns:p14="http://schemas.microsoft.com/office/powerpoint/2010/main" val="2172713191"/>
+                <p14:modId xmlns:p14="http://schemas.microsoft.com/office/powerpoint/2010/main" xmlns="" val="2172713191"/>
               </p:ext>
             </p:extLst>
           </p:nvPr>
@@ -3424,7 +3507,7 @@
     </p:spTree>
     <p:extLst>
       <p:ext uri="{BB962C8B-B14F-4D97-AF65-F5344CB8AC3E}">
-        <p14:creationId xmlns:p14="http://schemas.microsoft.com/office/powerpoint/2010/main" val="31575198"/>
+        <p14:creationId xmlns:p14="http://schemas.microsoft.com/office/powerpoint/2010/main" xmlns="" val="31575198"/>
       </p:ext>
     </p:extLst>
   </p:cSld>
@@ -3579,7 +3662,7 @@
     </p:spTree>
     <p:extLst>
       <p:ext uri="{BB962C8B-B14F-4D97-AF65-F5344CB8AC3E}">
-        <p14:creationId xmlns:p14="http://schemas.microsoft.com/office/powerpoint/2010/main" val="3110767658"/>
+        <p14:creationId xmlns:p14="http://schemas.microsoft.com/office/powerpoint/2010/main" xmlns="" val="3110767658"/>
       </p:ext>
     </p:extLst>
   </p:cSld>
@@ -3740,7 +3823,7 @@
     </p:spTree>
     <p:extLst>
       <p:ext uri="{BB962C8B-B14F-4D97-AF65-F5344CB8AC3E}">
-        <p14:creationId xmlns:p14="http://schemas.microsoft.com/office/powerpoint/2010/main" val="3371042906"/>
+        <p14:creationId xmlns:p14="http://schemas.microsoft.com/office/powerpoint/2010/main" xmlns="" val="3371042906"/>
       </p:ext>
     </p:extLst>
   </p:cSld>
@@ -3811,7 +3894,7 @@
           <a:blip r:embed="rId2">
             <a:extLst>
               <a:ext uri="{28A0092B-C50C-407E-A947-70E740481C1C}">
-                <a14:useLocalDpi xmlns:a14="http://schemas.microsoft.com/office/drawing/2010/main" val="0"/>
+                <a14:useLocalDpi xmlns:a14="http://schemas.microsoft.com/office/drawing/2010/main" xmlns="" val="0"/>
               </a:ext>
             </a:extLst>
           </a:blip>
@@ -3829,7 +3912,7 @@
     </p:spTree>
     <p:extLst>
       <p:ext uri="{BB962C8B-B14F-4D97-AF65-F5344CB8AC3E}">
-        <p14:creationId xmlns:p14="http://schemas.microsoft.com/office/powerpoint/2010/main" val="376800105"/>
+        <p14:creationId xmlns:p14="http://schemas.microsoft.com/office/powerpoint/2010/main" xmlns="" val="376800105"/>
       </p:ext>
     </p:extLst>
   </p:cSld>
@@ -3904,7 +3987,7 @@
           <a:blip r:embed="rId2">
             <a:extLst>
               <a:ext uri="{28A0092B-C50C-407E-A947-70E740481C1C}">
-                <a14:useLocalDpi xmlns:a14="http://schemas.microsoft.com/office/drawing/2010/main" val="0"/>
+                <a14:useLocalDpi xmlns:a14="http://schemas.microsoft.com/office/drawing/2010/main" xmlns="" val="0"/>
               </a:ext>
             </a:extLst>
           </a:blip>
@@ -3931,7 +4014,7 @@
           <a:blip r:embed="rId3">
             <a:extLst>
               <a:ext uri="{28A0092B-C50C-407E-A947-70E740481C1C}">
-                <a14:useLocalDpi xmlns:a14="http://schemas.microsoft.com/office/drawing/2010/main" val="0"/>
+                <a14:useLocalDpi xmlns:a14="http://schemas.microsoft.com/office/drawing/2010/main" xmlns="" val="0"/>
               </a:ext>
             </a:extLst>
           </a:blip>
@@ -3952,7 +4035,7 @@
     </p:spTree>
     <p:extLst>
       <p:ext uri="{BB962C8B-B14F-4D97-AF65-F5344CB8AC3E}">
-        <p14:creationId xmlns:p14="http://schemas.microsoft.com/office/powerpoint/2010/main" val="1624974464"/>
+        <p14:creationId xmlns:p14="http://schemas.microsoft.com/office/powerpoint/2010/main" xmlns="" val="1624974464"/>
       </p:ext>
     </p:extLst>
   </p:cSld>
@@ -4118,7 +4201,7 @@
           <a:blip r:embed="rId2">
             <a:extLst>
               <a:ext uri="{28A0092B-C50C-407E-A947-70E740481C1C}">
-                <a14:useLocalDpi xmlns:a14="http://schemas.microsoft.com/office/drawing/2010/main" val="0"/>
+                <a14:useLocalDpi xmlns:a14="http://schemas.microsoft.com/office/drawing/2010/main" xmlns="" val="0"/>
               </a:ext>
             </a:extLst>
           </a:blip>
@@ -4145,7 +4228,7 @@
           <a:blip r:embed="rId3">
             <a:extLst>
               <a:ext uri="{28A0092B-C50C-407E-A947-70E740481C1C}">
-                <a14:useLocalDpi xmlns:a14="http://schemas.microsoft.com/office/drawing/2010/main" val="0"/>
+                <a14:useLocalDpi xmlns:a14="http://schemas.microsoft.com/office/drawing/2010/main" xmlns="" val="0"/>
               </a:ext>
             </a:extLst>
           </a:blip>
@@ -4166,7 +4249,7 @@
     </p:spTree>
     <p:extLst>
       <p:ext uri="{BB962C8B-B14F-4D97-AF65-F5344CB8AC3E}">
-        <p14:creationId xmlns:p14="http://schemas.microsoft.com/office/powerpoint/2010/main" val="235059908"/>
+        <p14:creationId xmlns:p14="http://schemas.microsoft.com/office/powerpoint/2010/main" xmlns="" val="235059908"/>
       </p:ext>
     </p:extLst>
   </p:cSld>

--- a/Apresentação/Apresentação - v00.01.pptx
+++ b/Apresentação/Apresentação - v00.01.pptx
@@ -889,7 +889,11 @@
           <a:p>
             <a:r>
               <a:rPr lang="pt-BR" b="0" baseline="0" dirty="0" smtClean="0"/>
-              <a:t>-&gt; Análise Técnica</a:t>
+              <a:t>-&gt; </a:t>
+            </a:r>
+            <a:r>
+              <a:rPr lang="pt-BR" b="1" baseline="0" dirty="0" smtClean="0"/>
+              <a:t>Análise Técnica</a:t>
             </a:r>
           </a:p>
           <a:p>
@@ -904,15 +908,31 @@
               <a:t>-&gt; </a:t>
             </a:r>
             <a:r>
-              <a:rPr lang="pt-BR" b="0" smtClean="0"/>
+              <a:rPr lang="pt-BR" b="1" dirty="0" smtClean="0"/>
               <a:t>Anális</a:t>
             </a:r>
             <a:r>
-              <a:rPr lang="pt-BR" b="0" baseline="0" smtClean="0"/>
+              <a:rPr lang="pt-BR" b="1" baseline="0" dirty="0" smtClean="0"/>
               <a:t>e Fundamentalista</a:t>
             </a:r>
           </a:p>
           <a:p>
+            <a:r>
+              <a:rPr lang="pt-BR" b="0" dirty="0" smtClean="0"/>
+              <a:t>A análise fundamentalista é baseada em relatórios de empresas,</a:t>
+            </a:r>
+            <a:r>
+              <a:rPr lang="pt-BR" b="0" baseline="0" dirty="0" smtClean="0"/>
+              <a:t> iniciativas de bancos centrais, índices de setores e variáveis </a:t>
+            </a:r>
+            <a:r>
+              <a:rPr lang="pt-BR" b="0" baseline="0" dirty="0" err="1" smtClean="0"/>
+              <a:t>macro-econômicas</a:t>
+            </a:r>
+            <a:r>
+              <a:rPr lang="pt-BR" b="0" baseline="0" dirty="0" smtClean="0"/>
+              <a:t>.</a:t>
+            </a:r>
             <a:endParaRPr lang="pt-BR" b="0" dirty="0"/>
           </a:p>
         </p:txBody>
@@ -945,6 +965,117 @@
     <p:extLst>
       <p:ext uri="{BB962C8B-B14F-4D97-AF65-F5344CB8AC3E}">
         <p14:creationId xmlns:p14="http://schemas.microsoft.com/office/powerpoint/2010/main" val="3174089483"/>
+      </p:ext>
+    </p:extLst>
+  </p:cSld>
+  <p:clrMapOvr>
+    <a:masterClrMapping/>
+  </p:clrMapOvr>
+</p:notes>
+</file>
+
+<file path=ppt/notesSlides/notesSlide2.xml><?xml version="1.0" encoding="utf-8"?>
+<p:notes xmlns:a="http://schemas.openxmlformats.org/drawingml/2006/main" xmlns:r="http://schemas.openxmlformats.org/officeDocument/2006/relationships" xmlns:p="http://schemas.openxmlformats.org/presentationml/2006/main">
+  <p:cSld>
+    <p:spTree>
+      <p:nvGrpSpPr>
+        <p:cNvPr id="1" name=""/>
+        <p:cNvGrpSpPr/>
+        <p:nvPr/>
+      </p:nvGrpSpPr>
+      <p:grpSpPr>
+        <a:xfrm>
+          <a:off x="0" y="0"/>
+          <a:ext cx="0" cy="0"/>
+          <a:chOff x="0" y="0"/>
+          <a:chExt cx="0" cy="0"/>
+        </a:xfrm>
+      </p:grpSpPr>
+      <p:sp>
+        <p:nvSpPr>
+          <p:cNvPr id="2" name="Espaço Reservado para Imagem de Slide 1"/>
+          <p:cNvSpPr>
+            <a:spLocks noGrp="1" noRot="1" noChangeAspect="1"/>
+          </p:cNvSpPr>
+          <p:nvPr>
+            <p:ph type="sldImg"/>
+          </p:nvPr>
+        </p:nvSpPr>
+        <p:spPr/>
+      </p:sp>
+      <p:sp>
+        <p:nvSpPr>
+          <p:cNvPr id="3" name="Espaço Reservado para Anotações 2"/>
+          <p:cNvSpPr>
+            <a:spLocks noGrp="1"/>
+          </p:cNvSpPr>
+          <p:nvPr>
+            <p:ph type="body" idx="1"/>
+          </p:nvPr>
+        </p:nvSpPr>
+        <p:spPr/>
+        <p:txBody>
+          <a:bodyPr/>
+          <a:lstStyle/>
+          <a:p>
+            <a:r>
+              <a:rPr lang="pt-BR" dirty="0" smtClean="0"/>
+              <a:t>-&gt;</a:t>
+            </a:r>
+            <a:r>
+              <a:rPr lang="pt-BR" baseline="0" dirty="0" smtClean="0"/>
+              <a:t> </a:t>
+            </a:r>
+            <a:r>
+              <a:rPr lang="pt-BR" b="1" baseline="0" dirty="0" smtClean="0"/>
+              <a:t>Tipos de Operação</a:t>
+            </a:r>
+          </a:p>
+          <a:p>
+            <a:r>
+              <a:rPr lang="pt-BR" dirty="0" smtClean="0"/>
+              <a:t>No mercado de ações dois tipos de operação</a:t>
+            </a:r>
+            <a:r>
+              <a:rPr lang="pt-BR" baseline="0" dirty="0" smtClean="0"/>
+              <a:t> são permitidos</a:t>
+            </a:r>
+            <a:r>
+              <a:rPr lang="pt-BR" baseline="0" smtClean="0"/>
+              <a:t>. Operar comprado ou operar à descoberto</a:t>
+            </a:r>
+            <a:endParaRPr lang="pt-BR" dirty="0"/>
+          </a:p>
+        </p:txBody>
+      </p:sp>
+      <p:sp>
+        <p:nvSpPr>
+          <p:cNvPr id="4" name="Espaço Reservado para Número de Slide 3"/>
+          <p:cNvSpPr>
+            <a:spLocks noGrp="1"/>
+          </p:cNvSpPr>
+          <p:nvPr>
+            <p:ph type="sldNum" sz="quarter" idx="10"/>
+          </p:nvPr>
+        </p:nvSpPr>
+        <p:spPr/>
+        <p:txBody>
+          <a:bodyPr/>
+          <a:lstStyle/>
+          <a:p>
+            <a:fld id="{2B5E1511-57C9-4010-B804-AF160D10F624}" type="slidenum">
+              <a:rPr lang="pt-BR" smtClean="0"/>
+              <a:pPr/>
+              <a:t>6</a:t>
+            </a:fld>
+            <a:endParaRPr lang="pt-BR" dirty="0"/>
+          </a:p>
+        </p:txBody>
+      </p:sp>
+    </p:spTree>
+    <p:extLst>
+      <p:ext uri="{BB962C8B-B14F-4D97-AF65-F5344CB8AC3E}">
+        <p14:creationId xmlns:p14="http://schemas.microsoft.com/office/powerpoint/2010/main" val="1846564667"/>
       </p:ext>
     </p:extLst>
   </p:cSld>
